--- a/AdaDelta & Adam Algorithm.pptx.pptx
+++ b/AdaDelta & Adam Algorithm.pptx.pptx
@@ -4382,9 +4382,9 @@
         <p:grpSpPr>
           <a:xfrm rot="0">
             <a:off x="11785725" y="7636696"/>
-            <a:ext cx="3475391" cy="1506003"/>
+            <a:ext cx="4197286" cy="1506003"/>
             <a:chOff x="0" y="0"/>
-            <a:chExt cx="4633855" cy="2008004"/>
+            <a:chExt cx="5596381" cy="2008004"/>
           </a:xfrm>
         </p:grpSpPr>
         <p:sp>
@@ -4396,7 +4396,7 @@
           <p:spPr>
             <a:xfrm flipH="false" flipV="false" rot="0">
               <a:off x="0" y="0"/>
-              <a:ext cx="4633849" cy="2007997"/>
+              <a:ext cx="5596374" cy="2007997"/>
             </a:xfrm>
             <a:custGeom>
               <a:avLst/>
@@ -4405,15 +4405,15 @@
               <a:cxnLst/>
               <a:rect r="r" b="b" t="t" l="l"/>
               <a:pathLst>
-                <a:path h="2007997" w="4633849">
+                <a:path h="2007997" w="5596374">
                   <a:moveTo>
                     <a:pt x="0" y="0"/>
                   </a:moveTo>
                   <a:lnTo>
-                    <a:pt x="4633849" y="0"/>
+                    <a:pt x="5596374" y="0"/>
                   </a:lnTo>
                   <a:lnTo>
-                    <a:pt x="4633849" y="2007997"/>
+                    <a:pt x="5596374" y="2007997"/>
                   </a:lnTo>
                   <a:lnTo>
                     <a:pt x="0" y="2007997"/>
@@ -4428,7 +4428,7 @@
             <a:blipFill>
               <a:blip r:embed="rId7"/>
               <a:stretch>
-                <a:fillRect l="0" t="0" r="0" b="0"/>
+                <a:fillRect l="0" t="-3785" r="0" b="-3785"/>
               </a:stretch>
             </a:blipFill>
           </p:spPr>
@@ -9889,7 +9889,7 @@
             <a:blipFill>
               <a:blip r:embed="rId6"/>
               <a:stretch>
-                <a:fillRect l="0" t="0" r="0" b="-2"/>
+                <a:fillRect l="0" t="-5046" r="0" b="-5046"/>
               </a:stretch>
             </a:blipFill>
           </p:spPr>
@@ -9903,7 +9903,7 @@
         </p:nvSpPr>
         <p:spPr>
           <a:xfrm rot="0">
-            <a:off x="1305136" y="2696953"/>
+            <a:off x="814130" y="2638425"/>
             <a:ext cx="16659739" cy="2171700"/>
           </a:xfrm>
           <a:prstGeom prst="rect">
